--- a/doc/Aufgaben/GameOfLife/Coding-Dojo.pptx
+++ b/doc/Aufgaben/GameOfLife/Coding-Dojo.pptx
@@ -292,7 +292,7 @@
           <a:p>
             <a:fld id="{1BA50D42-C9CD-4801-B293-61D1F53EC57E}" type="datetimeFigureOut">
               <a:rPr lang="de-DE" smtClean="0"/>
-              <a:t>21.01.2015</a:t>
+              <a:t>03.02.2015</a:t>
             </a:fld>
             <a:endParaRPr lang="de-DE"/>
           </a:p>
@@ -457,7 +457,7 @@
           <a:p>
             <a:fld id="{1BA50D42-C9CD-4801-B293-61D1F53EC57E}" type="datetimeFigureOut">
               <a:rPr lang="de-DE" smtClean="0"/>
-              <a:t>21.01.2015</a:t>
+              <a:t>03.02.2015</a:t>
             </a:fld>
             <a:endParaRPr lang="de-DE"/>
           </a:p>
@@ -632,7 +632,7 @@
           <a:p>
             <a:fld id="{1BA50D42-C9CD-4801-B293-61D1F53EC57E}" type="datetimeFigureOut">
               <a:rPr lang="de-DE" smtClean="0"/>
-              <a:t>21.01.2015</a:t>
+              <a:t>03.02.2015</a:t>
             </a:fld>
             <a:endParaRPr lang="de-DE"/>
           </a:p>
@@ -797,7 +797,7 @@
           <a:p>
             <a:fld id="{1BA50D42-C9CD-4801-B293-61D1F53EC57E}" type="datetimeFigureOut">
               <a:rPr lang="de-DE" smtClean="0"/>
-              <a:t>21.01.2015</a:t>
+              <a:t>03.02.2015</a:t>
             </a:fld>
             <a:endParaRPr lang="de-DE"/>
           </a:p>
@@ -1038,7 +1038,7 @@
           <a:p>
             <a:fld id="{1BA50D42-C9CD-4801-B293-61D1F53EC57E}" type="datetimeFigureOut">
               <a:rPr lang="de-DE" smtClean="0"/>
-              <a:t>21.01.2015</a:t>
+              <a:t>03.02.2015</a:t>
             </a:fld>
             <a:endParaRPr lang="de-DE"/>
           </a:p>
@@ -1321,7 +1321,7 @@
           <a:p>
             <a:fld id="{1BA50D42-C9CD-4801-B293-61D1F53EC57E}" type="datetimeFigureOut">
               <a:rPr lang="de-DE" smtClean="0"/>
-              <a:t>21.01.2015</a:t>
+              <a:t>03.02.2015</a:t>
             </a:fld>
             <a:endParaRPr lang="de-DE"/>
           </a:p>
@@ -1738,7 +1738,7 @@
           <a:p>
             <a:fld id="{1BA50D42-C9CD-4801-B293-61D1F53EC57E}" type="datetimeFigureOut">
               <a:rPr lang="de-DE" smtClean="0"/>
-              <a:t>21.01.2015</a:t>
+              <a:t>03.02.2015</a:t>
             </a:fld>
             <a:endParaRPr lang="de-DE"/>
           </a:p>
@@ -1851,7 +1851,7 @@
           <a:p>
             <a:fld id="{1BA50D42-C9CD-4801-B293-61D1F53EC57E}" type="datetimeFigureOut">
               <a:rPr lang="de-DE" smtClean="0"/>
-              <a:t>21.01.2015</a:t>
+              <a:t>03.02.2015</a:t>
             </a:fld>
             <a:endParaRPr lang="de-DE"/>
           </a:p>
@@ -1941,7 +1941,7 @@
           <a:p>
             <a:fld id="{1BA50D42-C9CD-4801-B293-61D1F53EC57E}" type="datetimeFigureOut">
               <a:rPr lang="de-DE" smtClean="0"/>
-              <a:t>21.01.2015</a:t>
+              <a:t>03.02.2015</a:t>
             </a:fld>
             <a:endParaRPr lang="de-DE"/>
           </a:p>
@@ -2213,7 +2213,7 @@
           <a:p>
             <a:fld id="{1BA50D42-C9CD-4801-B293-61D1F53EC57E}" type="datetimeFigureOut">
               <a:rPr lang="de-DE" smtClean="0"/>
-              <a:t>21.01.2015</a:t>
+              <a:t>03.02.2015</a:t>
             </a:fld>
             <a:endParaRPr lang="de-DE"/>
           </a:p>
@@ -2461,7 +2461,7 @@
           <a:p>
             <a:fld id="{1BA50D42-C9CD-4801-B293-61D1F53EC57E}" type="datetimeFigureOut">
               <a:rPr lang="de-DE" smtClean="0"/>
-              <a:t>21.01.2015</a:t>
+              <a:t>03.02.2015</a:t>
             </a:fld>
             <a:endParaRPr lang="de-DE"/>
           </a:p>
@@ -2669,7 +2669,7 @@
           <a:p>
             <a:fld id="{1BA50D42-C9CD-4801-B293-61D1F53EC57E}" type="datetimeFigureOut">
               <a:rPr lang="de-DE" smtClean="0"/>
-              <a:t>21.01.2015</a:t>
+              <a:t>03.02.2015</a:t>
             </a:fld>
             <a:endParaRPr lang="de-DE"/>
           </a:p>
@@ -3099,6 +3099,20 @@
             </a:r>
           </a:p>
           <a:p>
+            <a:r>
+              <a:rPr lang="de-DE" sz="2800" dirty="0"/>
+              <a:t>Nur Java 6 &amp; </a:t>
+            </a:r>
+            <a:r>
+              <a:rPr lang="de-DE" sz="2800" dirty="0" err="1"/>
+              <a:t>JUnit</a:t>
+            </a:r>
+            <a:r>
+              <a:rPr lang="de-DE" sz="2800" dirty="0"/>
+              <a:t> einsetzen</a:t>
+            </a:r>
+          </a:p>
+          <a:p>
             <a:endParaRPr lang="de-DE" sz="2800" dirty="0" smtClean="0"/>
           </a:p>
           <a:p>
@@ -3116,7 +3130,23 @@
             </a:r>
             <a:r>
               <a:rPr lang="de-DE" sz="2800" dirty="0" smtClean="0"/>
+              <a:t> &amp; </a:t>
+            </a:r>
+            <a:r>
+              <a:rPr lang="de-DE" sz="2800" dirty="0" err="1" smtClean="0">
+                <a:solidFill>
+                  <a:srgbClr val="FF0000"/>
+                </a:solidFill>
+              </a:rPr>
+              <a:t>Refactoring</a:t>
+            </a:r>
+            <a:r>
+              <a:rPr lang="de-DE" sz="2800" dirty="0" smtClean="0"/>
               <a:t>.</a:t>
+            </a:r>
+            <a:r>
+              <a:rPr lang="de-DE" sz="2800" dirty="0" smtClean="0"/>
+              <a:t/>
             </a:r>
             <a:br>
               <a:rPr lang="de-DE" sz="2800" dirty="0" smtClean="0"/>
@@ -4179,7 +4209,6 @@
               <a:rPr lang="de-DE" dirty="0" smtClean="0"/>
               <a:t> implementieren (Berechnung der Population)</a:t>
             </a:r>
-            <a:endParaRPr lang="de-DE" dirty="0" smtClean="0"/>
           </a:p>
         </p:txBody>
       </p:sp>
